--- a/public/assets/uploads/excel/Understanding-Ad-Rank-and-Bidding-Strategies.pptx
+++ b/public/assets/uploads/excel/Understanding-Ad-Rank-and-Bidding-Strategies.pptx
@@ -1784,391 +1784,6 @@
 </p:sld>
 </file>
 
-<file path=ppt/slides/slide2.xml><?xml version="1.0" encoding="utf-8"?>
-<p:sld xmlns:a="http://schemas.openxmlformats.org/drawingml/2006/main" xmlns:r="http://schemas.openxmlformats.org/officeDocument/2006/relationships" xmlns:p="http://schemas.openxmlformats.org/presentationml/2006/main">
-  <p:cSld name="Slide 2">
-    <p:spTree>
-      <p:nvGrpSpPr>
-        <p:cNvPr id="1" name=""/>
-        <p:cNvGrpSpPr/>
-        <p:nvPr/>
-      </p:nvGrpSpPr>
-      <p:grpSpPr>
-        <a:xfrm>
-          <a:off x="0" y="0"/>
-          <a:ext cx="0" cy="0"/>
-          <a:chOff x="0" y="0"/>
-          <a:chExt cx="0" cy="0"/>
-        </a:xfrm>
-      </p:grpSpPr>
-      <p:sp>
-        <p:nvSpPr>
-          <p:cNvPr id="2" name="Shape 0"/>
-          <p:cNvSpPr/>
-          <p:nvPr/>
-        </p:nvSpPr>
-        <p:spPr>
-          <a:xfrm>
-            <a:off x="0" y="0"/>
-            <a:ext cx="14630400" cy="8229600"/>
-          </a:xfrm>
-          <a:prstGeom prst="rect">
-            <a:avLst/>
-          </a:prstGeom>
-          <a:solidFill>
-            <a:srgbClr val="181A1B"/>
-          </a:solidFill>
-          <a:ln/>
-        </p:spPr>
-      </p:sp>
-      <p:sp>
-        <p:nvSpPr>
-          <p:cNvPr id="3" name="Shape 1"/>
-          <p:cNvSpPr/>
-          <p:nvPr/>
-        </p:nvSpPr>
-        <p:spPr>
-          <a:xfrm>
-            <a:off x="0" y="0"/>
-            <a:ext cx="14630400" cy="8229600"/>
-          </a:xfrm>
-          <a:prstGeom prst="rect">
-            <a:avLst/>
-          </a:prstGeom>
-          <a:solidFill>
-            <a:srgbClr val="111213"/>
-          </a:solidFill>
-          <a:ln/>
-        </p:spPr>
-      </p:sp>
-      <p:sp>
-        <p:nvSpPr>
-          <p:cNvPr id="4" name="Text 2"/>
-          <p:cNvSpPr/>
-          <p:nvPr/>
-        </p:nvSpPr>
-        <p:spPr>
-          <a:xfrm>
-            <a:off x="2517696" y="2272070"/>
-            <a:ext cx="6300788" cy="694373"/>
-          </a:xfrm>
-          <a:prstGeom prst="rect">
-            <a:avLst/>
-          </a:prstGeom>
-          <a:noFill/>
-          <a:ln/>
-        </p:spPr>
-        <p:txBody>
-          <a:bodyPr wrap="none" rtlCol="0" anchor="t"/>
-          <a:lstStyle/>
-          <a:p>
-            <a:pPr indent="0" marL="0">
-              <a:lnSpc>
-                <a:spcPts val="5468"/>
-              </a:lnSpc>
-              <a:buNone/>
-            </a:pPr>
-            <a:r>
-              <a:rPr lang="en-US" sz="4374" b="1" spc="-44" kern="0" dirty="0">
-                <a:solidFill>
-                  <a:srgbClr val="FFFFFF"/>
-                </a:solidFill>
-                <a:latin typeface="Montserrat" pitchFamily="34" charset="0"/>
-                <a:ea typeface="Montserrat" pitchFamily="34" charset="-122"/>
-                <a:cs typeface="Montserrat" pitchFamily="34" charset="-120"/>
-              </a:rPr>
-              <a:t>Ad Formats Explained</a:t>
-            </a:r>
-            <a:endParaRPr lang="en-US" sz="4374" dirty="0"/>
-          </a:p>
-        </p:txBody>
-      </p:sp>
-      <p:sp>
-        <p:nvSpPr>
-          <p:cNvPr id="5" name="Text 3"/>
-          <p:cNvSpPr/>
-          <p:nvPr/>
-        </p:nvSpPr>
-        <p:spPr>
-          <a:xfrm>
-            <a:off x="2517696" y="3521869"/>
-            <a:ext cx="2777490" cy="347186"/>
-          </a:xfrm>
-          <a:prstGeom prst="rect">
-            <a:avLst/>
-          </a:prstGeom>
-          <a:noFill/>
-          <a:ln/>
-        </p:spPr>
-        <p:txBody>
-          <a:bodyPr wrap="none" rtlCol="0" anchor="t"/>
-          <a:lstStyle/>
-          <a:p>
-            <a:pPr indent="0" marL="0">
-              <a:lnSpc>
-                <a:spcPts val="2734"/>
-              </a:lnSpc>
-              <a:buNone/>
-            </a:pPr>
-            <a:r>
-              <a:rPr lang="en-US" sz="2187" b="1" spc="-22" kern="0" dirty="0">
-                <a:solidFill>
-                  <a:srgbClr val="FFFFFF"/>
-                </a:solidFill>
-                <a:latin typeface="Montserrat" pitchFamily="34" charset="0"/>
-                <a:ea typeface="Montserrat" pitchFamily="34" charset="-122"/>
-                <a:cs typeface="Montserrat" pitchFamily="34" charset="-120"/>
-              </a:rPr>
-              <a:t>Display Ads</a:t>
-            </a:r>
-            <a:endParaRPr lang="en-US" sz="2187" dirty="0"/>
-          </a:p>
-        </p:txBody>
-      </p:sp>
-      <p:sp>
-        <p:nvSpPr>
-          <p:cNvPr id="6" name="Text 4"/>
-          <p:cNvSpPr/>
-          <p:nvPr/>
-        </p:nvSpPr>
-        <p:spPr>
-          <a:xfrm>
-            <a:off x="2517696" y="4091226"/>
-            <a:ext cx="2836545" cy="1666280"/>
-          </a:xfrm>
-          <a:prstGeom prst="rect">
-            <a:avLst/>
-          </a:prstGeom>
-          <a:noFill/>
-          <a:ln/>
-        </p:spPr>
-        <p:txBody>
-          <a:bodyPr wrap="square" rtlCol="0" anchor="t"/>
-          <a:lstStyle/>
-          <a:p>
-            <a:pPr indent="0" marL="0">
-              <a:lnSpc>
-                <a:spcPts val="2624"/>
-              </a:lnSpc>
-              <a:buNone/>
-            </a:pPr>
-            <a:r>
-              <a:rPr lang="en-US" sz="1750" dirty="0">
-                <a:solidFill>
-                  <a:srgbClr val="E2E6E9"/>
-                </a:solidFill>
-                <a:latin typeface="Source Sans Pro" pitchFamily="34" charset="0"/>
-                <a:ea typeface="Source Sans Pro" pitchFamily="34" charset="-122"/>
-                <a:cs typeface="Source Sans Pro" pitchFamily="34" charset="-120"/>
-              </a:rPr>
-              <a:t>Visually engaging ads that appear on websites, apps, and social media platforms, often using images, videos, or interactive elements.</a:t>
-            </a:r>
-            <a:endParaRPr lang="en-US" sz="1750" dirty="0"/>
-          </a:p>
-        </p:txBody>
-      </p:sp>
-      <p:sp>
-        <p:nvSpPr>
-          <p:cNvPr id="7" name="Text 5"/>
-          <p:cNvSpPr/>
-          <p:nvPr/>
-        </p:nvSpPr>
-        <p:spPr>
-          <a:xfrm>
-            <a:off x="5903833" y="3521869"/>
-            <a:ext cx="2777490" cy="347186"/>
-          </a:xfrm>
-          <a:prstGeom prst="rect">
-            <a:avLst/>
-          </a:prstGeom>
-          <a:noFill/>
-          <a:ln/>
-        </p:spPr>
-        <p:txBody>
-          <a:bodyPr wrap="none" rtlCol="0" anchor="t"/>
-          <a:lstStyle/>
-          <a:p>
-            <a:pPr indent="0" marL="0">
-              <a:lnSpc>
-                <a:spcPts val="2734"/>
-              </a:lnSpc>
-              <a:buNone/>
-            </a:pPr>
-            <a:r>
-              <a:rPr lang="en-US" sz="2187" b="1" spc="-22" kern="0" dirty="0">
-                <a:solidFill>
-                  <a:srgbClr val="FFFFFF"/>
-                </a:solidFill>
-                <a:latin typeface="Montserrat" pitchFamily="34" charset="0"/>
-                <a:ea typeface="Montserrat" pitchFamily="34" charset="-122"/>
-                <a:cs typeface="Montserrat" pitchFamily="34" charset="-120"/>
-              </a:rPr>
-              <a:t>Search Ads</a:t>
-            </a:r>
-            <a:endParaRPr lang="en-US" sz="2187" dirty="0"/>
-          </a:p>
-        </p:txBody>
-      </p:sp>
-      <p:sp>
-        <p:nvSpPr>
-          <p:cNvPr id="8" name="Text 6"/>
-          <p:cNvSpPr/>
-          <p:nvPr/>
-        </p:nvSpPr>
-        <p:spPr>
-          <a:xfrm>
-            <a:off x="5903833" y="4091226"/>
-            <a:ext cx="2836545" cy="1666280"/>
-          </a:xfrm>
-          <a:prstGeom prst="rect">
-            <a:avLst/>
-          </a:prstGeom>
-          <a:noFill/>
-          <a:ln/>
-        </p:spPr>
-        <p:txBody>
-          <a:bodyPr wrap="square" rtlCol="0" anchor="t"/>
-          <a:lstStyle/>
-          <a:p>
-            <a:pPr indent="0" marL="0">
-              <a:lnSpc>
-                <a:spcPts val="2624"/>
-              </a:lnSpc>
-              <a:buNone/>
-            </a:pPr>
-            <a:r>
-              <a:rPr lang="en-US" sz="1750" dirty="0">
-                <a:solidFill>
-                  <a:srgbClr val="E2E6E9"/>
-                </a:solidFill>
-                <a:latin typeface="Source Sans Pro" pitchFamily="34" charset="0"/>
-                <a:ea typeface="Source Sans Pro" pitchFamily="34" charset="-122"/>
-                <a:cs typeface="Source Sans Pro" pitchFamily="34" charset="-120"/>
-              </a:rPr>
-              <a:t>Text-based ads that show up at the top or side of search engine results, targeted to specific keywords and user intent.</a:t>
-            </a:r>
-            <a:endParaRPr lang="en-US" sz="1750" dirty="0"/>
-          </a:p>
-        </p:txBody>
-      </p:sp>
-      <p:sp>
-        <p:nvSpPr>
-          <p:cNvPr id="9" name="Text 7"/>
-          <p:cNvSpPr/>
-          <p:nvPr/>
-        </p:nvSpPr>
-        <p:spPr>
-          <a:xfrm>
-            <a:off x="9289971" y="3521869"/>
-            <a:ext cx="2777490" cy="347186"/>
-          </a:xfrm>
-          <a:prstGeom prst="rect">
-            <a:avLst/>
-          </a:prstGeom>
-          <a:noFill/>
-          <a:ln/>
-        </p:spPr>
-        <p:txBody>
-          <a:bodyPr wrap="none" rtlCol="0" anchor="t"/>
-          <a:lstStyle/>
-          <a:p>
-            <a:pPr indent="0" marL="0">
-              <a:lnSpc>
-                <a:spcPts val="2734"/>
-              </a:lnSpc>
-              <a:buNone/>
-            </a:pPr>
-            <a:r>
-              <a:rPr lang="en-US" sz="2187" b="1" spc="-22" kern="0" dirty="0">
-                <a:solidFill>
-                  <a:srgbClr val="FFFFFF"/>
-                </a:solidFill>
-                <a:latin typeface="Montserrat" pitchFamily="34" charset="0"/>
-                <a:ea typeface="Montserrat" pitchFamily="34" charset="-122"/>
-                <a:cs typeface="Montserrat" pitchFamily="34" charset="-120"/>
-              </a:rPr>
-              <a:t>Video Ads</a:t>
-            </a:r>
-            <a:endParaRPr lang="en-US" sz="2187" dirty="0"/>
-          </a:p>
-        </p:txBody>
-      </p:sp>
-      <p:sp>
-        <p:nvSpPr>
-          <p:cNvPr id="10" name="Text 8"/>
-          <p:cNvSpPr/>
-          <p:nvPr/>
-        </p:nvSpPr>
-        <p:spPr>
-          <a:xfrm>
-            <a:off x="9289971" y="4091226"/>
-            <a:ext cx="2836545" cy="1333024"/>
-          </a:xfrm>
-          <a:prstGeom prst="rect">
-            <a:avLst/>
-          </a:prstGeom>
-          <a:noFill/>
-          <a:ln/>
-        </p:spPr>
-        <p:txBody>
-          <a:bodyPr wrap="square" rtlCol="0" anchor="t"/>
-          <a:lstStyle/>
-          <a:p>
-            <a:pPr indent="0" marL="0">
-              <a:lnSpc>
-                <a:spcPts val="2624"/>
-              </a:lnSpc>
-              <a:buNone/>
-            </a:pPr>
-            <a:r>
-              <a:rPr lang="en-US" sz="1750" dirty="0">
-                <a:solidFill>
-                  <a:srgbClr val="E2E6E9"/>
-                </a:solidFill>
-                <a:latin typeface="Source Sans Pro" pitchFamily="34" charset="0"/>
-                <a:ea typeface="Source Sans Pro" pitchFamily="34" charset="-122"/>
-                <a:cs typeface="Source Sans Pro" pitchFamily="34" charset="-120"/>
-              </a:rPr>
-              <a:t>Ads that play before, during, or after video content on platforms like YouTube, often skippable or non-skippable.</a:t>
-            </a:r>
-            <a:endParaRPr lang="en-US" sz="1750" dirty="0"/>
-          </a:p>
-        </p:txBody>
-      </p:sp>
-      <p:pic>
-        <p:nvPicPr>
-          <p:cNvPr id="11" name="Image 0" descr="preencoded.png">
-            <a:hlinkClick r:id="rId2" tooltip=""/>
-          </p:cNvPr>
-          <p:cNvPicPr>
-            <a:picLocks noChangeAspect="1"/>
-          </p:cNvPicPr>
-          <p:nvPr/>
-        </p:nvPicPr>
-        <p:blipFill>
-          <a:blip r:embed="rId1"/>
-          <a:stretch>
-            <a:fillRect/>
-          </a:stretch>
-        </p:blipFill>
-        <p:spPr>
-          <a:xfrm>
-            <a:off x="12242153" y="7589520"/>
-            <a:ext cx="2296807" cy="548640"/>
-          </a:xfrm>
-          <a:prstGeom prst="rect">
-            <a:avLst/>
-          </a:prstGeom>
-        </p:spPr>
-      </p:pic>
-    </p:spTree>
-  </p:cSld>
-  <p:clrMapOvr>
-    <a:masterClrMapping/>
-  </p:clrMapOvr>
-</p:sld>
-</file>
-
 <file path=ppt/slides/slide3.xml><?xml version="1.0" encoding="utf-8"?>
 <p:sld xmlns:a="http://schemas.openxmlformats.org/drawingml/2006/main" xmlns:r="http://schemas.openxmlformats.org/officeDocument/2006/relationships" xmlns:p="http://schemas.openxmlformats.org/presentationml/2006/main">
   <p:cSld name="Slide 3">
